--- a/Virtual Hosting.pptx
+++ b/Virtual Hosting.pptx
@@ -8,6 +8,11 @@
     <p:sldId id="256" r:id="rId2"/>
     <p:sldId id="257" r:id="rId3"/>
     <p:sldId id="258" r:id="rId4"/>
+    <p:sldId id="259" r:id="rId5"/>
+    <p:sldId id="260" r:id="rId6"/>
+    <p:sldId id="261" r:id="rId7"/>
+    <p:sldId id="262" r:id="rId8"/>
+    <p:sldId id="263" r:id="rId9"/>
   </p:sldIdLst>
   <p:sldSz cx="9144000" cy="6858000" type="screen4x3"/>
   <p:notesSz cx="6858000" cy="9144000"/>
@@ -282,6 +287,7 @@
           <a:p>
             <a:fld id="{446E2AD4-0321-48C9-ACE3-F37485E2C5BC}" type="datetimeFigureOut">
               <a:rPr lang="es-ES" smtClean="0"/>
+              <a:pPr/>
               <a:t>02/05/2015</a:t>
             </a:fld>
             <a:endParaRPr lang="es-ES"/>
@@ -324,6 +330,7 @@
           <a:p>
             <a:fld id="{80461A99-CE8A-41EA-A0A6-9C2B21434FCB}" type="slidenum">
               <a:rPr lang="es-ES" smtClean="0"/>
+              <a:pPr/>
               <a:t>‹Nº›</a:t>
             </a:fld>
             <a:endParaRPr lang="es-ES"/>
@@ -447,6 +454,7 @@
           <a:p>
             <a:fld id="{446E2AD4-0321-48C9-ACE3-F37485E2C5BC}" type="datetimeFigureOut">
               <a:rPr lang="es-ES" smtClean="0"/>
+              <a:pPr/>
               <a:t>02/05/2015</a:t>
             </a:fld>
             <a:endParaRPr lang="es-ES"/>
@@ -489,6 +497,7 @@
           <a:p>
             <a:fld id="{80461A99-CE8A-41EA-A0A6-9C2B21434FCB}" type="slidenum">
               <a:rPr lang="es-ES" smtClean="0"/>
+              <a:pPr/>
               <a:t>‹Nº›</a:t>
             </a:fld>
             <a:endParaRPr lang="es-ES"/>
@@ -622,6 +631,7 @@
           <a:p>
             <a:fld id="{446E2AD4-0321-48C9-ACE3-F37485E2C5BC}" type="datetimeFigureOut">
               <a:rPr lang="es-ES" smtClean="0"/>
+              <a:pPr/>
               <a:t>02/05/2015</a:t>
             </a:fld>
             <a:endParaRPr lang="es-ES"/>
@@ -664,6 +674,7 @@
           <a:p>
             <a:fld id="{80461A99-CE8A-41EA-A0A6-9C2B21434FCB}" type="slidenum">
               <a:rPr lang="es-ES" smtClean="0"/>
+              <a:pPr/>
               <a:t>‹Nº›</a:t>
             </a:fld>
             <a:endParaRPr lang="es-ES"/>
@@ -787,6 +798,7 @@
           <a:p>
             <a:fld id="{446E2AD4-0321-48C9-ACE3-F37485E2C5BC}" type="datetimeFigureOut">
               <a:rPr lang="es-ES" smtClean="0"/>
+              <a:pPr/>
               <a:t>02/05/2015</a:t>
             </a:fld>
             <a:endParaRPr lang="es-ES"/>
@@ -829,6 +841,7 @@
           <a:p>
             <a:fld id="{80461A99-CE8A-41EA-A0A6-9C2B21434FCB}" type="slidenum">
               <a:rPr lang="es-ES" smtClean="0"/>
+              <a:pPr/>
               <a:t>‹Nº›</a:t>
             </a:fld>
             <a:endParaRPr lang="es-ES"/>
@@ -1029,6 +1042,7 @@
           <a:p>
             <a:fld id="{446E2AD4-0321-48C9-ACE3-F37485E2C5BC}" type="datetimeFigureOut">
               <a:rPr lang="es-ES" smtClean="0"/>
+              <a:pPr/>
               <a:t>02/05/2015</a:t>
             </a:fld>
             <a:endParaRPr lang="es-ES"/>
@@ -1071,6 +1085,7 @@
           <a:p>
             <a:fld id="{80461A99-CE8A-41EA-A0A6-9C2B21434FCB}" type="slidenum">
               <a:rPr lang="es-ES" smtClean="0"/>
+              <a:pPr/>
               <a:t>‹Nº›</a:t>
             </a:fld>
             <a:endParaRPr lang="es-ES"/>
@@ -1293,6 +1308,7 @@
           <a:p>
             <a:fld id="{446E2AD4-0321-48C9-ACE3-F37485E2C5BC}" type="datetimeFigureOut">
               <a:rPr lang="es-ES" smtClean="0"/>
+              <a:pPr/>
               <a:t>02/05/2015</a:t>
             </a:fld>
             <a:endParaRPr lang="es-ES"/>
@@ -1335,6 +1351,7 @@
           <a:p>
             <a:fld id="{80461A99-CE8A-41EA-A0A6-9C2B21434FCB}" type="slidenum">
               <a:rPr lang="es-ES" smtClean="0"/>
+              <a:pPr/>
               <a:t>‹Nº›</a:t>
             </a:fld>
             <a:endParaRPr lang="es-ES"/>
@@ -1671,6 +1688,7 @@
           <a:p>
             <a:fld id="{446E2AD4-0321-48C9-ACE3-F37485E2C5BC}" type="datetimeFigureOut">
               <a:rPr lang="es-ES" smtClean="0"/>
+              <a:pPr/>
               <a:t>02/05/2015</a:t>
             </a:fld>
             <a:endParaRPr lang="es-ES"/>
@@ -1713,6 +1731,7 @@
           <a:p>
             <a:fld id="{80461A99-CE8A-41EA-A0A6-9C2B21434FCB}" type="slidenum">
               <a:rPr lang="es-ES" smtClean="0"/>
+              <a:pPr/>
               <a:t>‹Nº›</a:t>
             </a:fld>
             <a:endParaRPr lang="es-ES"/>
@@ -1821,6 +1840,7 @@
           <a:p>
             <a:fld id="{446E2AD4-0321-48C9-ACE3-F37485E2C5BC}" type="datetimeFigureOut">
               <a:rPr lang="es-ES" smtClean="0"/>
+              <a:pPr/>
               <a:t>02/05/2015</a:t>
             </a:fld>
             <a:endParaRPr lang="es-ES"/>
@@ -1863,6 +1883,7 @@
           <a:p>
             <a:fld id="{80461A99-CE8A-41EA-A0A6-9C2B21434FCB}" type="slidenum">
               <a:rPr lang="es-ES" smtClean="0"/>
+              <a:pPr/>
               <a:t>‹Nº›</a:t>
             </a:fld>
             <a:endParaRPr lang="es-ES"/>
@@ -1911,6 +1932,7 @@
           <a:p>
             <a:fld id="{446E2AD4-0321-48C9-ACE3-F37485E2C5BC}" type="datetimeFigureOut">
               <a:rPr lang="es-ES" smtClean="0"/>
+              <a:pPr/>
               <a:t>02/05/2015</a:t>
             </a:fld>
             <a:endParaRPr lang="es-ES"/>
@@ -1953,6 +1975,7 @@
           <a:p>
             <a:fld id="{80461A99-CE8A-41EA-A0A6-9C2B21434FCB}" type="slidenum">
               <a:rPr lang="es-ES" smtClean="0"/>
+              <a:pPr/>
               <a:t>‹Nº›</a:t>
             </a:fld>
             <a:endParaRPr lang="es-ES"/>
@@ -2172,6 +2195,7 @@
           <a:p>
             <a:fld id="{446E2AD4-0321-48C9-ACE3-F37485E2C5BC}" type="datetimeFigureOut">
               <a:rPr lang="es-ES" smtClean="0"/>
+              <a:pPr/>
               <a:t>02/05/2015</a:t>
             </a:fld>
             <a:endParaRPr lang="es-ES"/>
@@ -2214,6 +2238,7 @@
           <a:p>
             <a:fld id="{80461A99-CE8A-41EA-A0A6-9C2B21434FCB}" type="slidenum">
               <a:rPr lang="es-ES" smtClean="0"/>
+              <a:pPr/>
               <a:t>‹Nº›</a:t>
             </a:fld>
             <a:endParaRPr lang="es-ES"/>
@@ -2460,6 +2485,7 @@
           <a:p>
             <a:fld id="{446E2AD4-0321-48C9-ACE3-F37485E2C5BC}" type="datetimeFigureOut">
               <a:rPr lang="es-ES" smtClean="0"/>
+              <a:pPr/>
               <a:t>02/05/2015</a:t>
             </a:fld>
             <a:endParaRPr lang="es-ES"/>
@@ -2507,6 +2533,7 @@
           <a:p>
             <a:fld id="{80461A99-CE8A-41EA-A0A6-9C2B21434FCB}" type="slidenum">
               <a:rPr lang="es-ES" smtClean="0"/>
+              <a:pPr/>
               <a:t>‹Nº›</a:t>
             </a:fld>
             <a:endParaRPr lang="es-ES"/>
@@ -3231,6 +3258,7 @@
           <a:p>
             <a:fld id="{446E2AD4-0321-48C9-ACE3-F37485E2C5BC}" type="datetimeFigureOut">
               <a:rPr lang="es-ES" smtClean="0"/>
+              <a:pPr/>
               <a:t>02/05/2015</a:t>
             </a:fld>
             <a:endParaRPr lang="es-ES"/>
@@ -3309,6 +3337,7 @@
           <a:p>
             <a:fld id="{80461A99-CE8A-41EA-A0A6-9C2B21434FCB}" type="slidenum">
               <a:rPr lang="es-ES" smtClean="0"/>
+              <a:pPr/>
               <a:t>‹Nº›</a:t>
             </a:fld>
             <a:endParaRPr lang="es-ES"/>
@@ -3859,11 +3888,17 @@
             <p:ph type="ctrTitle"/>
           </p:nvPr>
         </p:nvSpPr>
-        <p:spPr/>
-        <p:txBody>
-          <a:bodyPr/>
-          <a:lstStyle/>
-          <a:p>
+        <p:spPr>
+          <a:xfrm>
+            <a:off x="539552" y="1124744"/>
+            <a:ext cx="7851648" cy="1828800"/>
+          </a:xfrm>
+        </p:spPr>
+        <p:txBody>
+          <a:bodyPr/>
+          <a:lstStyle/>
+          <a:p>
+            <a:pPr algn="ctr"/>
             <a:r>
               <a:rPr lang="es-ES" dirty="0" smtClean="0"/>
               <a:t>Virtual </a:t>
@@ -3891,7 +3926,22 @@
           <a:bodyPr/>
           <a:lstStyle/>
           <a:p>
-            <a:endParaRPr lang="es-ES"/>
+            <a:pPr algn="ctr"/>
+            <a:r>
+              <a:rPr lang="es-ES" dirty="0" smtClean="0"/>
+              <a:t>Ingeniería de Servidores</a:t>
+            </a:r>
+          </a:p>
+          <a:p>
+            <a:pPr algn="ctr"/>
+            <a:r>
+              <a:rPr lang="es-ES" dirty="0" smtClean="0"/>
+              <a:t>Universidad de Granada</a:t>
+            </a:r>
+          </a:p>
+          <a:p>
+            <a:pPr algn="ctr"/>
+            <a:endParaRPr lang="es-ES" dirty="0"/>
           </a:p>
         </p:txBody>
       </p:sp>
@@ -3937,31 +3987,116 @@
             <p:ph type="title"/>
           </p:nvPr>
         </p:nvSpPr>
+        <p:spPr>
+          <a:xfrm>
+            <a:off x="467544" y="476672"/>
+            <a:ext cx="8229600" cy="1143000"/>
+          </a:xfrm>
+        </p:spPr>
+        <p:txBody>
+          <a:bodyPr/>
+          <a:lstStyle/>
+          <a:p>
+            <a:pPr algn="ctr"/>
+            <a:r>
+              <a:rPr lang="es-ES" dirty="0" err="1" smtClean="0"/>
+              <a:t>Hostin</a:t>
+            </a:r>
+            <a:r>
+              <a:rPr lang="es-ES" dirty="0" err="1" smtClean="0"/>
+              <a:t>g</a:t>
+            </a:r>
+            <a:r>
+              <a:rPr lang="es-ES" dirty="0" smtClean="0"/>
+              <a:t> web </a:t>
+            </a:r>
+            <a:endParaRPr lang="es-ES" dirty="0"/>
+          </a:p>
+        </p:txBody>
+      </p:sp>
+      <p:sp>
+        <p:nvSpPr>
+          <p:cNvPr id="3" name="2 Marcador de contenido"/>
+          <p:cNvSpPr>
+            <a:spLocks noGrp="1"/>
+          </p:cNvSpPr>
+          <p:nvPr>
+            <p:ph idx="1"/>
+          </p:nvPr>
+        </p:nvSpPr>
         <p:spPr/>
         <p:txBody>
           <a:bodyPr/>
           <a:lstStyle/>
           <a:p>
-            <a:endParaRPr lang="es-ES"/>
-          </a:p>
-        </p:txBody>
-      </p:sp>
-      <p:sp>
-        <p:nvSpPr>
-          <p:cNvPr id="3" name="2 Marcador de contenido"/>
-          <p:cNvSpPr>
-            <a:spLocks noGrp="1"/>
-          </p:cNvSpPr>
-          <p:nvPr>
-            <p:ph idx="1"/>
-          </p:nvPr>
-        </p:nvSpPr>
-        <p:spPr/>
-        <p:txBody>
-          <a:bodyPr/>
-          <a:lstStyle/>
-          <a:p>
-            <a:endParaRPr lang="es-ES"/>
+            <a:pPr>
+              <a:buNone/>
+            </a:pPr>
+            <a:r>
+              <a:rPr lang="es-ES" dirty="0" smtClean="0"/>
+              <a:t>Ha ido evolucionando a lo largo del tiempo. </a:t>
+            </a:r>
+          </a:p>
+          <a:p>
+            <a:pPr>
+              <a:buNone/>
+            </a:pPr>
+            <a:endParaRPr lang="es-ES" dirty="0" smtClean="0"/>
+          </a:p>
+          <a:p>
+            <a:r>
+              <a:rPr lang="es-ES" dirty="0" smtClean="0"/>
+              <a:t>Inicios: servidores locales.</a:t>
+            </a:r>
+          </a:p>
+          <a:p>
+            <a:r>
+              <a:rPr lang="es-ES" dirty="0" smtClean="0"/>
+              <a:t>Aumento del uso de internet: pequeños </a:t>
+            </a:r>
+            <a:r>
+              <a:rPr lang="es-ES" dirty="0" err="1" smtClean="0"/>
+              <a:t>datacenters</a:t>
+            </a:r>
+            <a:r>
+              <a:rPr lang="es-ES" dirty="0" smtClean="0"/>
+              <a:t>.</a:t>
+            </a:r>
+          </a:p>
+          <a:p>
+            <a:r>
+              <a:rPr lang="es-ES" dirty="0" smtClean="0"/>
+              <a:t>Mayor tamaño de los </a:t>
+            </a:r>
+            <a:r>
+              <a:rPr lang="es-ES" dirty="0" err="1" smtClean="0"/>
+              <a:t>datacenters</a:t>
+            </a:r>
+            <a:r>
+              <a:rPr lang="es-ES" dirty="0" smtClean="0"/>
+              <a:t>. </a:t>
+            </a:r>
+            <a:r>
+              <a:rPr lang="es-ES" dirty="0" err="1" smtClean="0"/>
+              <a:t>Virtualización</a:t>
+            </a:r>
+            <a:r>
+              <a:rPr lang="es-ES" dirty="0" smtClean="0"/>
+              <a:t>. </a:t>
+            </a:r>
+          </a:p>
+          <a:p>
+            <a:r>
+              <a:rPr lang="es-ES" dirty="0" smtClean="0"/>
+              <a:t>Almacenamiento en la nube. </a:t>
+            </a:r>
+            <a:endParaRPr lang="es-ES" dirty="0"/>
+          </a:p>
+          <a:p>
+            <a:r>
+              <a:rPr lang="es-ES" dirty="0" smtClean="0"/>
+              <a:t>…</a:t>
+            </a:r>
           </a:p>
         </p:txBody>
       </p:sp>
@@ -3970,6 +4105,13 @@
   <p:clrMapOvr>
     <a:masterClrMapping/>
   </p:clrMapOvr>
+  <p:timing>
+    <p:tnLst>
+      <p:par>
+        <p:cTn id="1" dur="indefinite" restart="never" nodeType="tmRoot"/>
+      </p:par>
+    </p:tnLst>
+  </p:timing>
 </p:sld>
 </file>
 
@@ -4000,31 +4142,71 @@
             <p:ph type="title"/>
           </p:nvPr>
         </p:nvSpPr>
+        <p:spPr>
+          <a:xfrm>
+            <a:off x="395536" y="548680"/>
+            <a:ext cx="8229600" cy="1143000"/>
+          </a:xfrm>
+        </p:spPr>
+        <p:txBody>
+          <a:bodyPr/>
+          <a:lstStyle/>
+          <a:p>
+            <a:pPr algn="ctr"/>
+            <a:r>
+              <a:rPr lang="es-ES" dirty="0" err="1" smtClean="0"/>
+              <a:t>Hosting</a:t>
+            </a:r>
+            <a:r>
+              <a:rPr lang="es-ES" dirty="0" smtClean="0"/>
+              <a:t> Virtual </a:t>
+            </a:r>
+            <a:endParaRPr lang="es-ES" dirty="0"/>
+          </a:p>
+        </p:txBody>
+      </p:sp>
+      <p:sp>
+        <p:nvSpPr>
+          <p:cNvPr id="3" name="2 Marcador de contenido"/>
+          <p:cNvSpPr>
+            <a:spLocks noGrp="1"/>
+          </p:cNvSpPr>
+          <p:nvPr>
+            <p:ph idx="1"/>
+          </p:nvPr>
+        </p:nvSpPr>
         <p:spPr/>
         <p:txBody>
           <a:bodyPr/>
           <a:lstStyle/>
           <a:p>
-            <a:endParaRPr lang="es-ES"/>
-          </a:p>
-        </p:txBody>
-      </p:sp>
-      <p:sp>
-        <p:nvSpPr>
-          <p:cNvPr id="3" name="2 Marcador de contenido"/>
-          <p:cNvSpPr>
-            <a:spLocks noGrp="1"/>
-          </p:cNvSpPr>
-          <p:nvPr>
-            <p:ph idx="1"/>
-          </p:nvPr>
-        </p:nvSpPr>
-        <p:spPr/>
-        <p:txBody>
-          <a:bodyPr/>
-          <a:lstStyle/>
-          <a:p>
-            <a:endParaRPr lang="es-ES"/>
+            <a:pPr algn="just">
+              <a:buNone/>
+            </a:pPr>
+            <a:r>
+              <a:rPr lang="es-ES" dirty="0" smtClean="0"/>
+              <a:t>	Se refiere al método de alojar múltiples dominios en un servidor, permitiendo compartir funcionalidad entre ellos. </a:t>
+            </a:r>
+            <a:r>
+              <a:rPr lang="es-ES" dirty="0" smtClean="0"/>
+              <a:t>Normalmente se utiliza para alojar webs. </a:t>
+            </a:r>
+          </a:p>
+          <a:p>
+            <a:pPr>
+              <a:buNone/>
+            </a:pPr>
+            <a:endParaRPr lang="es-ES" dirty="0" smtClean="0"/>
+          </a:p>
+          <a:p>
+            <a:pPr algn="just">
+              <a:buNone/>
+            </a:pPr>
+            <a:r>
+              <a:rPr lang="es-ES" dirty="0" smtClean="0"/>
+              <a:t>	Permite a los usuarios acceder a los recursos necesarios para tener un sitio web a un precio mucho más económico y con menos esfuerzo. </a:t>
+            </a:r>
+            <a:endParaRPr lang="es-ES" dirty="0"/>
           </a:p>
         </p:txBody>
       </p:sp>
@@ -4033,6 +4215,682 @@
   <p:clrMapOvr>
     <a:masterClrMapping/>
   </p:clrMapOvr>
+  <p:timing>
+    <p:tnLst>
+      <p:par>
+        <p:cTn id="1" dur="indefinite" restart="never" nodeType="tmRoot"/>
+      </p:par>
+    </p:tnLst>
+  </p:timing>
+</p:sld>
+</file>
+
+<file path=ppt/slides/slide4.xml><?xml version="1.0" encoding="utf-8"?>
+<p:sld xmlns:a="http://schemas.openxmlformats.org/drawingml/2006/main" xmlns:r="http://schemas.openxmlformats.org/officeDocument/2006/relationships" xmlns:p="http://schemas.openxmlformats.org/presentationml/2006/main">
+  <p:cSld>
+    <p:spTree>
+      <p:nvGrpSpPr>
+        <p:cNvPr id="1" name=""/>
+        <p:cNvGrpSpPr/>
+        <p:nvPr/>
+      </p:nvGrpSpPr>
+      <p:grpSpPr>
+        <a:xfrm>
+          <a:off x="0" y="0"/>
+          <a:ext cx="0" cy="0"/>
+          <a:chOff x="0" y="0"/>
+          <a:chExt cx="0" cy="0"/>
+        </a:xfrm>
+      </p:grpSpPr>
+      <p:sp>
+        <p:nvSpPr>
+          <p:cNvPr id="2" name="1 Título"/>
+          <p:cNvSpPr>
+            <a:spLocks noGrp="1"/>
+          </p:cNvSpPr>
+          <p:nvPr>
+            <p:ph type="title"/>
+          </p:nvPr>
+        </p:nvSpPr>
+        <p:spPr>
+          <a:xfrm>
+            <a:off x="467544" y="548680"/>
+            <a:ext cx="8229600" cy="1143000"/>
+          </a:xfrm>
+        </p:spPr>
+        <p:txBody>
+          <a:bodyPr/>
+          <a:lstStyle/>
+          <a:p>
+            <a:pPr algn="ctr"/>
+            <a:r>
+              <a:rPr lang="es-ES" dirty="0" err="1" smtClean="0"/>
+              <a:t>Hosting</a:t>
+            </a:r>
+            <a:r>
+              <a:rPr lang="es-ES" dirty="0" smtClean="0"/>
+              <a:t> Virtual</a:t>
+            </a:r>
+            <a:endParaRPr lang="es-ES" dirty="0"/>
+          </a:p>
+        </p:txBody>
+      </p:sp>
+      <p:sp>
+        <p:nvSpPr>
+          <p:cNvPr id="3" name="2 Marcador de contenido"/>
+          <p:cNvSpPr>
+            <a:spLocks noGrp="1"/>
+          </p:cNvSpPr>
+          <p:nvPr>
+            <p:ph idx="1"/>
+          </p:nvPr>
+        </p:nvSpPr>
+        <p:spPr/>
+        <p:txBody>
+          <a:bodyPr/>
+          <a:lstStyle/>
+          <a:p>
+            <a:pPr>
+              <a:buNone/>
+            </a:pPr>
+            <a:r>
+              <a:rPr lang="es-ES" dirty="0" smtClean="0"/>
+              <a:t>Tipos: </a:t>
+            </a:r>
+            <a:endParaRPr lang="es-ES" dirty="0" smtClean="0"/>
+          </a:p>
+          <a:p>
+            <a:r>
+              <a:rPr lang="es-ES" dirty="0" smtClean="0"/>
+              <a:t>Basados en nombre (</a:t>
+            </a:r>
+            <a:r>
+              <a:rPr lang="es-ES" dirty="0" err="1" smtClean="0"/>
+              <a:t>Name-based</a:t>
+            </a:r>
+            <a:r>
+              <a:rPr lang="es-ES" dirty="0" smtClean="0"/>
+              <a:t>).</a:t>
+            </a:r>
+          </a:p>
+          <a:p>
+            <a:endParaRPr lang="es-ES" dirty="0" smtClean="0"/>
+          </a:p>
+          <a:p>
+            <a:r>
+              <a:rPr lang="es-ES" dirty="0" smtClean="0"/>
+              <a:t>Basados en IP (IP-</a:t>
+            </a:r>
+            <a:r>
+              <a:rPr lang="es-ES" dirty="0" err="1" smtClean="0"/>
+              <a:t>based</a:t>
+            </a:r>
+            <a:r>
+              <a:rPr lang="es-ES" dirty="0" smtClean="0"/>
+              <a:t>).</a:t>
+            </a:r>
+          </a:p>
+          <a:p>
+            <a:endParaRPr lang="es-ES" dirty="0" smtClean="0"/>
+          </a:p>
+          <a:p>
+            <a:r>
+              <a:rPr lang="es-ES" dirty="0" smtClean="0"/>
+              <a:t>Basados en puertos (Port-</a:t>
+            </a:r>
+            <a:r>
+              <a:rPr lang="es-ES" dirty="0" err="1" smtClean="0"/>
+              <a:t>based</a:t>
+            </a:r>
+            <a:r>
+              <a:rPr lang="es-ES" dirty="0" smtClean="0"/>
+              <a:t>).</a:t>
+            </a:r>
+          </a:p>
+          <a:p>
+            <a:endParaRPr lang="es-ES" dirty="0" smtClean="0"/>
+          </a:p>
+          <a:p>
+            <a:r>
+              <a:rPr lang="es-ES" dirty="0" smtClean="0"/>
+              <a:t>Combinación. </a:t>
+            </a:r>
+          </a:p>
+        </p:txBody>
+      </p:sp>
+    </p:spTree>
+  </p:cSld>
+  <p:clrMapOvr>
+    <a:masterClrMapping/>
+  </p:clrMapOvr>
+  <p:timing>
+    <p:tnLst>
+      <p:par>
+        <p:cTn id="1" dur="indefinite" restart="never" nodeType="tmRoot"/>
+      </p:par>
+    </p:tnLst>
+  </p:timing>
+</p:sld>
+</file>
+
+<file path=ppt/slides/slide5.xml><?xml version="1.0" encoding="utf-8"?>
+<p:sld xmlns:a="http://schemas.openxmlformats.org/drawingml/2006/main" xmlns:r="http://schemas.openxmlformats.org/officeDocument/2006/relationships" xmlns:p="http://schemas.openxmlformats.org/presentationml/2006/main">
+  <p:cSld>
+    <p:spTree>
+      <p:nvGrpSpPr>
+        <p:cNvPr id="1" name=""/>
+        <p:cNvGrpSpPr/>
+        <p:nvPr/>
+      </p:nvGrpSpPr>
+      <p:grpSpPr>
+        <a:xfrm>
+          <a:off x="0" y="0"/>
+          <a:ext cx="0" cy="0"/>
+          <a:chOff x="0" y="0"/>
+          <a:chExt cx="0" cy="0"/>
+        </a:xfrm>
+      </p:grpSpPr>
+      <p:sp>
+        <p:nvSpPr>
+          <p:cNvPr id="2" name="1 Título"/>
+          <p:cNvSpPr>
+            <a:spLocks noGrp="1"/>
+          </p:cNvSpPr>
+          <p:nvPr>
+            <p:ph type="title"/>
+          </p:nvPr>
+        </p:nvSpPr>
+        <p:spPr>
+          <a:xfrm>
+            <a:off x="395536" y="404664"/>
+            <a:ext cx="8229600" cy="1143000"/>
+          </a:xfrm>
+        </p:spPr>
+        <p:txBody>
+          <a:bodyPr/>
+          <a:lstStyle/>
+          <a:p>
+            <a:pPr algn="ctr"/>
+            <a:r>
+              <a:rPr lang="es-ES" dirty="0" err="1" smtClean="0"/>
+              <a:t>Name-based</a:t>
+            </a:r>
+            <a:endParaRPr lang="es-ES" dirty="0"/>
+          </a:p>
+        </p:txBody>
+      </p:sp>
+      <p:sp>
+        <p:nvSpPr>
+          <p:cNvPr id="3" name="2 Marcador de contenido"/>
+          <p:cNvSpPr>
+            <a:spLocks noGrp="1"/>
+          </p:cNvSpPr>
+          <p:nvPr>
+            <p:ph idx="1"/>
+          </p:nvPr>
+        </p:nvSpPr>
+        <p:spPr/>
+        <p:txBody>
+          <a:bodyPr>
+            <a:normAutofit lnSpcReduction="10000"/>
+          </a:bodyPr>
+          <a:lstStyle/>
+          <a:p>
+            <a:r>
+              <a:rPr lang="es-ES" dirty="0" smtClean="0"/>
+              <a:t>Cada host se diferencia de los demás por el nombre que usa, dentro de una misma IP. </a:t>
+            </a:r>
+          </a:p>
+          <a:p>
+            <a:pPr>
+              <a:buNone/>
+            </a:pPr>
+            <a:endParaRPr lang="es-ES" dirty="0" smtClean="0"/>
+          </a:p>
+          <a:p>
+            <a:r>
+              <a:rPr lang="es-ES" dirty="0" smtClean="0"/>
+              <a:t>Útil si no disponemos de las suficientes direcciones IP.</a:t>
+            </a:r>
+          </a:p>
+          <a:p>
+            <a:endParaRPr lang="es-ES" dirty="0" smtClean="0"/>
+          </a:p>
+          <a:p>
+            <a:pPr algn="just"/>
+            <a:r>
+              <a:rPr lang="es-ES" dirty="0" smtClean="0"/>
+              <a:t>Problemas de acceso si las DNS no están bien configuradas y con los certificados para las conexiones seguras. </a:t>
+            </a:r>
+          </a:p>
+          <a:p>
+            <a:pPr>
+              <a:buNone/>
+            </a:pPr>
+            <a:endParaRPr lang="es-ES" dirty="0" smtClean="0"/>
+          </a:p>
+          <a:p>
+            <a:pPr>
+              <a:buNone/>
+            </a:pPr>
+            <a:r>
+              <a:rPr lang="es-ES" dirty="0" smtClean="0"/>
+              <a:t>	</a:t>
+            </a:r>
+            <a:endParaRPr lang="es-ES" dirty="0"/>
+          </a:p>
+        </p:txBody>
+      </p:sp>
+    </p:spTree>
+  </p:cSld>
+  <p:clrMapOvr>
+    <a:masterClrMapping/>
+  </p:clrMapOvr>
+  <p:timing>
+    <p:tnLst>
+      <p:par>
+        <p:cTn id="1" dur="indefinite" restart="never" nodeType="tmRoot"/>
+      </p:par>
+    </p:tnLst>
+  </p:timing>
+</p:sld>
+</file>
+
+<file path=ppt/slides/slide6.xml><?xml version="1.0" encoding="utf-8"?>
+<p:sld xmlns:a="http://schemas.openxmlformats.org/drawingml/2006/main" xmlns:r="http://schemas.openxmlformats.org/officeDocument/2006/relationships" xmlns:p="http://schemas.openxmlformats.org/presentationml/2006/main">
+  <p:cSld>
+    <p:spTree>
+      <p:nvGrpSpPr>
+        <p:cNvPr id="1" name=""/>
+        <p:cNvGrpSpPr/>
+        <p:nvPr/>
+      </p:nvGrpSpPr>
+      <p:grpSpPr>
+        <a:xfrm>
+          <a:off x="0" y="0"/>
+          <a:ext cx="0" cy="0"/>
+          <a:chOff x="0" y="0"/>
+          <a:chExt cx="0" cy="0"/>
+        </a:xfrm>
+      </p:grpSpPr>
+      <p:sp>
+        <p:nvSpPr>
+          <p:cNvPr id="2" name="1 Título"/>
+          <p:cNvSpPr>
+            <a:spLocks noGrp="1"/>
+          </p:cNvSpPr>
+          <p:nvPr>
+            <p:ph type="title"/>
+          </p:nvPr>
+        </p:nvSpPr>
+        <p:spPr>
+          <a:xfrm>
+            <a:off x="467544" y="476672"/>
+            <a:ext cx="8229600" cy="1143000"/>
+          </a:xfrm>
+        </p:spPr>
+        <p:txBody>
+          <a:bodyPr/>
+          <a:lstStyle/>
+          <a:p>
+            <a:pPr algn="ctr"/>
+            <a:r>
+              <a:rPr lang="es-ES" dirty="0" smtClean="0"/>
+              <a:t>IP-</a:t>
+            </a:r>
+            <a:r>
+              <a:rPr lang="es-ES" dirty="0" err="1" smtClean="0"/>
+              <a:t>based</a:t>
+            </a:r>
+            <a:endParaRPr lang="es-ES" dirty="0"/>
+          </a:p>
+        </p:txBody>
+      </p:sp>
+      <p:sp>
+        <p:nvSpPr>
+          <p:cNvPr id="3" name="2 Marcador de contenido"/>
+          <p:cNvSpPr>
+            <a:spLocks noGrp="1"/>
+          </p:cNvSpPr>
+          <p:nvPr>
+            <p:ph idx="1"/>
+          </p:nvPr>
+        </p:nvSpPr>
+        <p:spPr/>
+        <p:txBody>
+          <a:bodyPr/>
+          <a:lstStyle/>
+          <a:p>
+            <a:r>
+              <a:rPr lang="es-ES" dirty="0" smtClean="0"/>
+              <a:t>Los hosts tienen </a:t>
+            </a:r>
+            <a:r>
+              <a:rPr lang="es-ES" dirty="0" err="1" smtClean="0"/>
+              <a:t>IP’s</a:t>
+            </a:r>
+            <a:r>
+              <a:rPr lang="es-ES" dirty="0" smtClean="0"/>
+              <a:t> distintas. </a:t>
+            </a:r>
+          </a:p>
+          <a:p>
+            <a:endParaRPr lang="es-ES" dirty="0" smtClean="0"/>
+          </a:p>
+          <a:p>
+            <a:pPr algn="just"/>
+            <a:r>
+              <a:rPr lang="es-ES" dirty="0" smtClean="0"/>
+              <a:t>Bueno si tenemos suficientes </a:t>
+            </a:r>
+            <a:r>
+              <a:rPr lang="es-ES" dirty="0" err="1" smtClean="0"/>
+              <a:t>IP’s</a:t>
+            </a:r>
+            <a:r>
+              <a:rPr lang="es-ES" dirty="0" smtClean="0"/>
+              <a:t>. Elimina problemas que introducía </a:t>
+            </a:r>
+            <a:r>
+              <a:rPr lang="es-ES" dirty="0" err="1" smtClean="0"/>
+              <a:t>Name-based</a:t>
+            </a:r>
+            <a:r>
+              <a:rPr lang="es-ES" dirty="0" smtClean="0"/>
+              <a:t> en las conexiones seguras.</a:t>
+            </a:r>
+            <a:endParaRPr lang="es-ES" dirty="0" smtClean="0"/>
+          </a:p>
+          <a:p>
+            <a:endParaRPr lang="es-ES" dirty="0" smtClean="0"/>
+          </a:p>
+          <a:p>
+            <a:pPr algn="just"/>
+            <a:r>
+              <a:rPr lang="es-ES" dirty="0" smtClean="0"/>
+              <a:t>Port-</a:t>
+            </a:r>
+            <a:r>
+              <a:rPr lang="es-ES" dirty="0" err="1" smtClean="0"/>
+              <a:t>based</a:t>
+            </a:r>
+            <a:r>
+              <a:rPr lang="es-ES" dirty="0" smtClean="0"/>
+              <a:t> puede o no considerarse una forma de </a:t>
+            </a:r>
+            <a:r>
+              <a:rPr lang="es-ES" dirty="0" err="1" smtClean="0"/>
+              <a:t>hosting</a:t>
+            </a:r>
+            <a:r>
+              <a:rPr lang="es-ES" dirty="0" smtClean="0"/>
+              <a:t> virtual basado en IP. </a:t>
+            </a:r>
+            <a:endParaRPr lang="es-ES" dirty="0"/>
+          </a:p>
+        </p:txBody>
+      </p:sp>
+    </p:spTree>
+  </p:cSld>
+  <p:clrMapOvr>
+    <a:masterClrMapping/>
+  </p:clrMapOvr>
+  <p:timing>
+    <p:tnLst>
+      <p:par>
+        <p:cTn id="1" dur="indefinite" restart="never" nodeType="tmRoot"/>
+      </p:par>
+    </p:tnLst>
+  </p:timing>
+</p:sld>
+</file>
+
+<file path=ppt/slides/slide7.xml><?xml version="1.0" encoding="utf-8"?>
+<p:sld xmlns:a="http://schemas.openxmlformats.org/drawingml/2006/main" xmlns:r="http://schemas.openxmlformats.org/officeDocument/2006/relationships" xmlns:p="http://schemas.openxmlformats.org/presentationml/2006/main">
+  <p:cSld>
+    <p:spTree>
+      <p:nvGrpSpPr>
+        <p:cNvPr id="1" name=""/>
+        <p:cNvGrpSpPr/>
+        <p:nvPr/>
+      </p:nvGrpSpPr>
+      <p:grpSpPr>
+        <a:xfrm>
+          <a:off x="0" y="0"/>
+          <a:ext cx="0" cy="0"/>
+          <a:chOff x="0" y="0"/>
+          <a:chExt cx="0" cy="0"/>
+        </a:xfrm>
+      </p:grpSpPr>
+      <p:sp>
+        <p:nvSpPr>
+          <p:cNvPr id="2" name="1 Título"/>
+          <p:cNvSpPr>
+            <a:spLocks noGrp="1"/>
+          </p:cNvSpPr>
+          <p:nvPr>
+            <p:ph type="title"/>
+          </p:nvPr>
+        </p:nvSpPr>
+        <p:spPr>
+          <a:xfrm>
+            <a:off x="467544" y="476672"/>
+            <a:ext cx="8229600" cy="1143000"/>
+          </a:xfrm>
+        </p:spPr>
+        <p:txBody>
+          <a:bodyPr/>
+          <a:lstStyle/>
+          <a:p>
+            <a:pPr algn="ctr"/>
+            <a:r>
+              <a:rPr lang="es-ES" dirty="0" smtClean="0"/>
+              <a:t>Apache</a:t>
+            </a:r>
+            <a:endParaRPr lang="es-ES" dirty="0"/>
+          </a:p>
+        </p:txBody>
+      </p:sp>
+      <p:sp>
+        <p:nvSpPr>
+          <p:cNvPr id="3" name="2 Marcador de contenido"/>
+          <p:cNvSpPr>
+            <a:spLocks noGrp="1"/>
+          </p:cNvSpPr>
+          <p:nvPr>
+            <p:ph idx="1"/>
+          </p:nvPr>
+        </p:nvSpPr>
+        <p:spPr/>
+        <p:txBody>
+          <a:bodyPr/>
+          <a:lstStyle/>
+          <a:p>
+            <a:r>
+              <a:rPr lang="es-ES" dirty="0" smtClean="0"/>
+              <a:t>Servidor web HTTP, actualmente el más utilizado en todo el mundo. </a:t>
+            </a:r>
+          </a:p>
+          <a:p>
+            <a:endParaRPr lang="es-ES" dirty="0" smtClean="0"/>
+          </a:p>
+          <a:p>
+            <a:r>
+              <a:rPr lang="es-ES" dirty="0" smtClean="0"/>
+              <a:t>Nos interesarán sus archivos de configuración, que modificaremos para crear un tipo u otro de </a:t>
+            </a:r>
+            <a:r>
+              <a:rPr lang="es-ES" dirty="0" err="1" smtClean="0"/>
+              <a:t>hosting</a:t>
+            </a:r>
+            <a:r>
+              <a:rPr lang="es-ES" dirty="0" smtClean="0"/>
+              <a:t> virtual, aunque se pueden configurar todos los casi todos los parámetros de la conexión. </a:t>
+            </a:r>
+            <a:endParaRPr lang="es-ES" dirty="0"/>
+          </a:p>
+        </p:txBody>
+      </p:sp>
+    </p:spTree>
+  </p:cSld>
+  <p:clrMapOvr>
+    <a:masterClrMapping/>
+  </p:clrMapOvr>
+  <p:timing>
+    <p:tnLst>
+      <p:par>
+        <p:cTn id="1" dur="indefinite" restart="never" nodeType="tmRoot"/>
+      </p:par>
+    </p:tnLst>
+  </p:timing>
+</p:sld>
+</file>
+
+<file path=ppt/slides/slide8.xml><?xml version="1.0" encoding="utf-8"?>
+<p:sld xmlns:a="http://schemas.openxmlformats.org/drawingml/2006/main" xmlns:r="http://schemas.openxmlformats.org/officeDocument/2006/relationships" xmlns:p="http://schemas.openxmlformats.org/presentationml/2006/main">
+  <p:cSld>
+    <p:spTree>
+      <p:nvGrpSpPr>
+        <p:cNvPr id="1" name=""/>
+        <p:cNvGrpSpPr/>
+        <p:nvPr/>
+      </p:nvGrpSpPr>
+      <p:grpSpPr>
+        <a:xfrm>
+          <a:off x="0" y="0"/>
+          <a:ext cx="0" cy="0"/>
+          <a:chOff x="0" y="0"/>
+          <a:chExt cx="0" cy="0"/>
+        </a:xfrm>
+      </p:grpSpPr>
+      <p:sp>
+        <p:nvSpPr>
+          <p:cNvPr id="2" name="1 Título"/>
+          <p:cNvSpPr>
+            <a:spLocks noGrp="1"/>
+          </p:cNvSpPr>
+          <p:nvPr>
+            <p:ph type="title"/>
+          </p:nvPr>
+        </p:nvSpPr>
+        <p:spPr>
+          <a:xfrm>
+            <a:off x="467544" y="404664"/>
+            <a:ext cx="8229600" cy="1143000"/>
+          </a:xfrm>
+        </p:spPr>
+        <p:txBody>
+          <a:bodyPr/>
+          <a:lstStyle/>
+          <a:p>
+            <a:pPr algn="ctr"/>
+            <a:r>
+              <a:rPr lang="es-ES" dirty="0" smtClean="0"/>
+              <a:t>Directivas</a:t>
+            </a:r>
+            <a:endParaRPr lang="es-ES" dirty="0"/>
+          </a:p>
+        </p:txBody>
+      </p:sp>
+      <p:sp>
+        <p:nvSpPr>
+          <p:cNvPr id="3" name="2 Marcador de contenido"/>
+          <p:cNvSpPr>
+            <a:spLocks noGrp="1"/>
+          </p:cNvSpPr>
+          <p:nvPr>
+            <p:ph idx="1"/>
+          </p:nvPr>
+        </p:nvSpPr>
+        <p:spPr/>
+        <p:txBody>
+          <a:bodyPr/>
+          <a:lstStyle/>
+          <a:p>
+            <a:r>
+              <a:rPr lang="es-ES" dirty="0" smtClean="0"/>
+              <a:t>Para configurar Apache haremos uso de las directivas que nos ofrece. </a:t>
+            </a:r>
+          </a:p>
+          <a:p>
+            <a:r>
+              <a:rPr lang="es-ES" dirty="0" smtClean="0"/>
+              <a:t>&lt;</a:t>
+            </a:r>
+            <a:r>
+              <a:rPr lang="es-ES" dirty="0" err="1" smtClean="0"/>
+              <a:t>VirtualHost</a:t>
+            </a:r>
+            <a:r>
+              <a:rPr lang="es-ES" dirty="0" smtClean="0"/>
+              <a:t>&gt; declara un host virtual</a:t>
+            </a:r>
+          </a:p>
+          <a:p>
+            <a:r>
+              <a:rPr lang="es-ES" dirty="0" err="1" smtClean="0"/>
+              <a:t>ServerName</a:t>
+            </a:r>
+            <a:r>
+              <a:rPr lang="es-ES" dirty="0" smtClean="0"/>
+              <a:t> define el nombre del servidor</a:t>
+            </a:r>
+          </a:p>
+          <a:p>
+            <a:r>
+              <a:rPr lang="es-ES" dirty="0" err="1" smtClean="0"/>
+              <a:t>DocumentRoot</a:t>
+            </a:r>
+            <a:r>
+              <a:rPr lang="es-ES" dirty="0" smtClean="0"/>
+              <a:t> indica donde está el directorio raíz. </a:t>
+            </a:r>
+          </a:p>
+          <a:p>
+            <a:r>
+              <a:rPr lang="es-ES" dirty="0" err="1" smtClean="0"/>
+              <a:t>ErrorLog</a:t>
+            </a:r>
+            <a:r>
+              <a:rPr lang="es-ES" dirty="0" smtClean="0"/>
+              <a:t> y </a:t>
+            </a:r>
+            <a:r>
+              <a:rPr lang="es-ES" dirty="0" err="1" smtClean="0"/>
+              <a:t>CustomLog</a:t>
+            </a:r>
+            <a:r>
+              <a:rPr lang="es-ES" dirty="0" smtClean="0"/>
+              <a:t> para el tratamiento de errores. </a:t>
+            </a:r>
+          </a:p>
+          <a:p>
+            <a:r>
+              <a:rPr lang="es-ES" dirty="0" err="1" smtClean="0"/>
+              <a:t>Etc</a:t>
+            </a:r>
+            <a:r>
+              <a:rPr lang="es-ES" dirty="0" smtClean="0"/>
+              <a:t>… </a:t>
+            </a:r>
+          </a:p>
+          <a:p>
+            <a:endParaRPr lang="es-ES" dirty="0"/>
+          </a:p>
+        </p:txBody>
+      </p:sp>
+    </p:spTree>
+  </p:cSld>
+  <p:clrMapOvr>
+    <a:masterClrMapping/>
+  </p:clrMapOvr>
+  <p:timing>
+    <p:tnLst>
+      <p:par>
+        <p:cTn id="1" dur="indefinite" restart="never" nodeType="tmRoot"/>
+      </p:par>
+    </p:tnLst>
+  </p:timing>
 </p:sld>
 </file>
 
